--- a/Курсовая/Презентация.pptx
+++ b/Курсовая/Презентация.pptx
@@ -5,7 +5,7 @@
     <p:sldMasterId id="2147483648" r:id="rId1"/>
   </p:sldMasterIdLst>
   <p:notesMasterIdLst>
-    <p:notesMasterId r:id="rId17"/>
+    <p:notesMasterId r:id="rId16"/>
   </p:notesMasterIdLst>
   <p:sldIdLst>
     <p:sldId id="256" r:id="rId2"/>
@@ -21,8 +21,7 @@
     <p:sldId id="266" r:id="rId12"/>
     <p:sldId id="267" r:id="rId13"/>
     <p:sldId id="268" r:id="rId14"/>
-    <p:sldId id="269" r:id="rId15"/>
-    <p:sldId id="270" r:id="rId16"/>
+    <p:sldId id="270" r:id="rId15"/>
   </p:sldIdLst>
   <p:sldSz cx="12192000" cy="6858000"/>
   <p:notesSz cx="6858000" cy="9144000"/>
@@ -211,7 +210,7 @@
           <a:p>
             <a:fld id="{2C588EBA-FEBF-4398-934F-4B49489BD5C8}" type="datetimeFigureOut">
               <a:rPr lang="ru-RU" smtClean="0"/>
-              <a:t>16.05.2024</a:t>
+              <a:t>19.05.2024</a:t>
             </a:fld>
             <a:endParaRPr lang="ru-RU"/>
           </a:p>
@@ -729,7 +728,7 @@
           <a:p>
             <a:fld id="{62B58745-26E4-42EB-BA3D-1B2A1263DBA3}" type="datetimeFigureOut">
               <a:rPr lang="ru-RU" smtClean="0"/>
-              <a:t>16.05.2024</a:t>
+              <a:t>19.05.2024</a:t>
             </a:fld>
             <a:endParaRPr lang="ru-RU"/>
           </a:p>
@@ -927,7 +926,7 @@
           <a:p>
             <a:fld id="{62B58745-26E4-42EB-BA3D-1B2A1263DBA3}" type="datetimeFigureOut">
               <a:rPr lang="ru-RU" smtClean="0"/>
-              <a:t>16.05.2024</a:t>
+              <a:t>19.05.2024</a:t>
             </a:fld>
             <a:endParaRPr lang="ru-RU"/>
           </a:p>
@@ -1135,7 +1134,7 @@
           <a:p>
             <a:fld id="{62B58745-26E4-42EB-BA3D-1B2A1263DBA3}" type="datetimeFigureOut">
               <a:rPr lang="ru-RU" smtClean="0"/>
-              <a:t>16.05.2024</a:t>
+              <a:t>19.05.2024</a:t>
             </a:fld>
             <a:endParaRPr lang="ru-RU"/>
           </a:p>
@@ -1333,7 +1332,7 @@
           <a:p>
             <a:fld id="{62B58745-26E4-42EB-BA3D-1B2A1263DBA3}" type="datetimeFigureOut">
               <a:rPr lang="ru-RU" smtClean="0"/>
-              <a:t>16.05.2024</a:t>
+              <a:t>19.05.2024</a:t>
             </a:fld>
             <a:endParaRPr lang="ru-RU"/>
           </a:p>
@@ -1608,7 +1607,7 @@
           <a:p>
             <a:fld id="{62B58745-26E4-42EB-BA3D-1B2A1263DBA3}" type="datetimeFigureOut">
               <a:rPr lang="ru-RU" smtClean="0"/>
-              <a:t>16.05.2024</a:t>
+              <a:t>19.05.2024</a:t>
             </a:fld>
             <a:endParaRPr lang="ru-RU"/>
           </a:p>
@@ -1873,7 +1872,7 @@
           <a:p>
             <a:fld id="{62B58745-26E4-42EB-BA3D-1B2A1263DBA3}" type="datetimeFigureOut">
               <a:rPr lang="ru-RU" smtClean="0"/>
-              <a:t>16.05.2024</a:t>
+              <a:t>19.05.2024</a:t>
             </a:fld>
             <a:endParaRPr lang="ru-RU"/>
           </a:p>
@@ -2285,7 +2284,7 @@
           <a:p>
             <a:fld id="{62B58745-26E4-42EB-BA3D-1B2A1263DBA3}" type="datetimeFigureOut">
               <a:rPr lang="ru-RU" smtClean="0"/>
-              <a:t>16.05.2024</a:t>
+              <a:t>19.05.2024</a:t>
             </a:fld>
             <a:endParaRPr lang="ru-RU"/>
           </a:p>
@@ -2426,7 +2425,7 @@
           <a:p>
             <a:fld id="{62B58745-26E4-42EB-BA3D-1B2A1263DBA3}" type="datetimeFigureOut">
               <a:rPr lang="ru-RU" smtClean="0"/>
-              <a:t>16.05.2024</a:t>
+              <a:t>19.05.2024</a:t>
             </a:fld>
             <a:endParaRPr lang="ru-RU"/>
           </a:p>
@@ -2539,7 +2538,7 @@
           <a:p>
             <a:fld id="{62B58745-26E4-42EB-BA3D-1B2A1263DBA3}" type="datetimeFigureOut">
               <a:rPr lang="ru-RU" smtClean="0"/>
-              <a:t>16.05.2024</a:t>
+              <a:t>19.05.2024</a:t>
             </a:fld>
             <a:endParaRPr lang="ru-RU"/>
           </a:p>
@@ -2850,7 +2849,7 @@
           <a:p>
             <a:fld id="{62B58745-26E4-42EB-BA3D-1B2A1263DBA3}" type="datetimeFigureOut">
               <a:rPr lang="ru-RU" smtClean="0"/>
-              <a:t>16.05.2024</a:t>
+              <a:t>19.05.2024</a:t>
             </a:fld>
             <a:endParaRPr lang="ru-RU"/>
           </a:p>
@@ -3138,7 +3137,7 @@
           <a:p>
             <a:fld id="{62B58745-26E4-42EB-BA3D-1B2A1263DBA3}" type="datetimeFigureOut">
               <a:rPr lang="ru-RU" smtClean="0"/>
-              <a:t>16.05.2024</a:t>
+              <a:t>19.05.2024</a:t>
             </a:fld>
             <a:endParaRPr lang="ru-RU"/>
           </a:p>
@@ -3379,7 +3378,7 @@
           <a:p>
             <a:fld id="{62B58745-26E4-42EB-BA3D-1B2A1263DBA3}" type="datetimeFigureOut">
               <a:rPr lang="ru-RU" smtClean="0"/>
-              <a:t>16.05.2024</a:t>
+              <a:t>19.05.2024</a:t>
             </a:fld>
             <a:endParaRPr lang="ru-RU"/>
           </a:p>
@@ -4161,7 +4160,7 @@
                 <a:cs typeface="Times New Roman"/>
                 <a:sym typeface="Times New Roman"/>
               </a:rPr>
-              <a:t>Работу выполнила </a:t>
+              <a:t>Работу выполнил </a:t>
             </a:r>
             <a:r>
               <a:rPr lang="ru-RU" sz="1800" dirty="0">
@@ -4197,7 +4196,7 @@
                 <a:cs typeface="Times New Roman"/>
                 <a:sym typeface="Times New Roman"/>
               </a:rPr>
-              <a:t>Студентка группы ИПО-31.21</a:t>
+              <a:t>Студент группы ИПО-31.21</a:t>
             </a:r>
             <a:endParaRPr sz="1800" b="0" i="0" u="none" strike="noStrike" cap="none" dirty="0">
               <a:solidFill>
@@ -5310,98 +5309,6 @@
 </file>
 
 <file path=ppt/slides/slide14.xml><?xml version="1.0" encoding="utf-8"?>
-<p:sld xmlns:a="http://schemas.openxmlformats.org/drawingml/2006/main" xmlns:r="http://schemas.openxmlformats.org/officeDocument/2006/relationships" xmlns:p="http://schemas.openxmlformats.org/presentationml/2006/main">
-  <p:cSld>
-    <p:spTree>
-      <p:nvGrpSpPr>
-        <p:cNvPr id="1" name=""/>
-        <p:cNvGrpSpPr/>
-        <p:nvPr/>
-      </p:nvGrpSpPr>
-      <p:grpSpPr>
-        <a:xfrm>
-          <a:off x="0" y="0"/>
-          <a:ext cx="0" cy="0"/>
-          <a:chOff x="0" y="0"/>
-          <a:chExt cx="0" cy="0"/>
-        </a:xfrm>
-      </p:grpSpPr>
-      <p:sp>
-        <p:nvSpPr>
-          <p:cNvPr id="2" name="Заголовок 1">
-            <a:extLst>
-              <a:ext uri="{FF2B5EF4-FFF2-40B4-BE49-F238E27FC236}">
-                <a16:creationId xmlns:a16="http://schemas.microsoft.com/office/drawing/2014/main" id="{429B5253-FE8D-43CF-964D-8B3B39996B2C}"/>
-              </a:ext>
-            </a:extLst>
-          </p:cNvPr>
-          <p:cNvSpPr>
-            <a:spLocks noGrp="1"/>
-          </p:cNvSpPr>
-          <p:nvPr>
-            <p:ph type="title"/>
-          </p:nvPr>
-        </p:nvSpPr>
-        <p:spPr/>
-        <p:txBody>
-          <a:bodyPr/>
-          <a:lstStyle/>
-          <a:p>
-            <a:r>
-              <a:rPr lang="ru-RU" dirty="0">
-                <a:latin typeface="Arial" panose="020B0604020202020204" pitchFamily="34" charset="0"/>
-                <a:cs typeface="Arial" panose="020B0604020202020204" pitchFamily="34" charset="0"/>
-              </a:rPr>
-              <a:t>Результат</a:t>
-            </a:r>
-          </a:p>
-        </p:txBody>
-      </p:sp>
-      <p:sp>
-        <p:nvSpPr>
-          <p:cNvPr id="3" name="Объект 2">
-            <a:extLst>
-              <a:ext uri="{FF2B5EF4-FFF2-40B4-BE49-F238E27FC236}">
-                <a16:creationId xmlns:a16="http://schemas.microsoft.com/office/drawing/2014/main" id="{2D5B0D3E-D61A-4717-AE5F-AB8D9DB6A39A}"/>
-              </a:ext>
-            </a:extLst>
-          </p:cNvPr>
-          <p:cNvSpPr>
-            <a:spLocks noGrp="1"/>
-          </p:cNvSpPr>
-          <p:nvPr>
-            <p:ph idx="1"/>
-          </p:nvPr>
-        </p:nvSpPr>
-        <p:spPr/>
-        <p:txBody>
-          <a:bodyPr/>
-          <a:lstStyle/>
-          <a:p>
-            <a:r>
-              <a:rPr lang="ru-RU" dirty="0">
-                <a:latin typeface="Arial" panose="020B0604020202020204" pitchFamily="34" charset="0"/>
-                <a:cs typeface="Arial" panose="020B0604020202020204" pitchFamily="34" charset="0"/>
-              </a:rPr>
-              <a:t>Ссылка когда на хостинге размещу.</a:t>
-            </a:r>
-          </a:p>
-        </p:txBody>
-      </p:sp>
-    </p:spTree>
-    <p:extLst>
-      <p:ext uri="{BB962C8B-B14F-4D97-AF65-F5344CB8AC3E}">
-        <p14:creationId xmlns:p14="http://schemas.microsoft.com/office/powerpoint/2010/main" val="2903873802"/>
-      </p:ext>
-    </p:extLst>
-  </p:cSld>
-  <p:clrMapOvr>
-    <a:masterClrMapping/>
-  </p:clrMapOvr>
-</p:sld>
-</file>
-
-<file path=ppt/slides/slide15.xml><?xml version="1.0" encoding="utf-8"?>
 <p:sld xmlns:a="http://schemas.openxmlformats.org/drawingml/2006/main" xmlns:r="http://schemas.openxmlformats.org/officeDocument/2006/relationships" xmlns:p="http://schemas.openxmlformats.org/presentationml/2006/main">
   <p:cSld>
     <p:spTree>
@@ -6447,7 +6354,24 @@
                 <a:ea typeface="Roboto" panose="02000000000000000000" pitchFamily="2" charset="0"/>
                 <a:cs typeface="Arial" panose="020B0604020202020204" pitchFamily="34" charset="0"/>
               </a:rPr>
-              <a:t>Для лучшего понимания требований и ожиданий пользователей, я провел исследование аналогичных сайтов, изучив их структуру, функциональность и дизайн. Это помогло мне получить ценную информацию и представление о том, что работает и что не работает в данной отрасли</a:t>
+              <a:t>Для лучшего понимания требований и ожиданий пользователей, </a:t>
+            </a:r>
+            <a:r>
+              <a:rPr lang="ru-RU" dirty="0">
+                <a:latin typeface="Arial" panose="020B0604020202020204" pitchFamily="34" charset="0"/>
+                <a:ea typeface="Roboto" panose="02000000000000000000" pitchFamily="2" charset="0"/>
+                <a:cs typeface="Arial" panose="020B0604020202020204" pitchFamily="34" charset="0"/>
+              </a:rPr>
+              <a:t>б</a:t>
+            </a:r>
+            <a:r>
+              <a:rPr lang="ru-RU" dirty="0">
+                <a:effectLst/>
+                <a:latin typeface="Arial" panose="020B0604020202020204" pitchFamily="34" charset="0"/>
+                <a:ea typeface="Roboto" panose="02000000000000000000" pitchFamily="2" charset="0"/>
+                <a:cs typeface="Arial" panose="020B0604020202020204" pitchFamily="34" charset="0"/>
+              </a:rPr>
+              <a:t>ыла выполнена работа по исследованию аналогичных сайтов, изучение их структур, функциональности и дизайна. Это помогло мне получить ценную информацию и представление о том, что работает и что не работает в данной отрасли</a:t>
             </a:r>
             <a:r>
               <a:rPr lang="en-US" dirty="0">
@@ -6658,7 +6582,22 @@
                 <a:latin typeface="Arial" panose="020B0604020202020204" pitchFamily="34" charset="0"/>
                 <a:cs typeface="Arial" panose="020B0604020202020204" pitchFamily="34" charset="0"/>
               </a:rPr>
-              <a:t>После анализа различных программных решений, я выбрал </a:t>
+              <a:t>После анализа различных программных решений, </a:t>
+            </a:r>
+            <a:r>
+              <a:rPr lang="ru-RU" dirty="0">
+                <a:latin typeface="Arial" panose="020B0604020202020204" pitchFamily="34" charset="0"/>
+                <a:cs typeface="Arial" panose="020B0604020202020204" pitchFamily="34" charset="0"/>
+              </a:rPr>
+              <a:t>б</a:t>
+            </a:r>
+            <a:r>
+              <a:rPr lang="ru-RU" dirty="0">
+                <a:effectLst/>
+                <a:latin typeface="Arial" panose="020B0604020202020204" pitchFamily="34" charset="0"/>
+                <a:cs typeface="Arial" panose="020B0604020202020204" pitchFamily="34" charset="0"/>
+              </a:rPr>
+              <a:t>ыл  выбран </a:t>
             </a:r>
             <a:r>
               <a:rPr lang="en-US" dirty="0">
@@ -6814,7 +6753,7 @@
                 <a:latin typeface="Arial" panose="020B0604020202020204" pitchFamily="34" charset="0"/>
                 <a:cs typeface="Arial" panose="020B0604020202020204" pitchFamily="34" charset="0"/>
               </a:rPr>
-              <a:t>Было проведено интенсивное размышление о дизайне сайта, учитывая его пользовательский опыт, визуальное привлекательность и соответствие бренду. Я уделил особое внимание выбору цветовой схемы, шрифтов, компоновке элементов и созданию интуитивно понятного интерфейса, чтобы обеспечить удобство и приятный внешний вид сайта.</a:t>
+              <a:t>Было проведено интенсивное размышление о дизайне сайта, учитывая его пользовательский опыт, визуальное привлекательность и соответствие бренду. Было уделено особое внимание выбору цветовой схемы, шрифтов, компоновке элементов и созданию интуитивно понятного интерфейса, чтобы обеспечить удобство и приятный внешний вид сайта.</a:t>
             </a:r>
             <a:endParaRPr lang="ru-RU" dirty="0">
               <a:latin typeface="Arial" panose="020B0604020202020204" pitchFamily="34" charset="0"/>
@@ -6913,7 +6852,7 @@
         </p:spPr>
         <p:txBody>
           <a:bodyPr>
-            <a:normAutofit fontScale="92500" lnSpcReduction="10000"/>
+            <a:normAutofit fontScale="92500" lnSpcReduction="20000"/>
           </a:bodyPr>
           <a:lstStyle/>
           <a:p>
@@ -6923,14 +6862,14 @@
                 <a:latin typeface="Arial" panose="020B0604020202020204" pitchFamily="34" charset="0"/>
                 <a:cs typeface="Arial" panose="020B0604020202020204" pitchFamily="34" charset="0"/>
               </a:rPr>
-              <a:t>Я уделил время исследованию и анализу логики сайта, определяя, какие функциональные возможности и разделы должны быть включены, чтобы обеспечить легкость использования и удовлетворение потребностей пользователей. </a:t>
+              <a:t>Было уделено время исследованию и анализу логики сайта, определяя, какие функциональные возможности и разделы должны быть включены, чтобы обеспечить легкость использования и удовлетворение потребностей пользователей. </a:t>
             </a:r>
             <a:r>
               <a:rPr lang="ru-RU" dirty="0">
                 <a:latin typeface="Arial" panose="020B0604020202020204" pitchFamily="34" charset="0"/>
                 <a:cs typeface="Arial" panose="020B0604020202020204" pitchFamily="34" charset="0"/>
               </a:rPr>
-              <a:t>За основу логики своего сайта я взял аналогичный сайт </a:t>
+              <a:t>За основу логики своего сайта был взят аналогичный сайт </a:t>
             </a:r>
             <a:r>
               <a:rPr lang="en-US" dirty="0" err="1">
@@ -7074,7 +7013,7 @@
         </p:spPr>
         <p:txBody>
           <a:bodyPr>
-            <a:normAutofit lnSpcReduction="10000"/>
+            <a:normAutofit fontScale="92500"/>
           </a:bodyPr>
           <a:lstStyle/>
           <a:p>
@@ -7084,7 +7023,7 @@
                 <a:latin typeface="Arial" panose="020B0604020202020204" pitchFamily="34" charset="0"/>
                 <a:cs typeface="Arial" panose="020B0604020202020204" pitchFamily="34" charset="0"/>
               </a:rPr>
-              <a:t>После определения функциональных требований сайта, я приступил к разработке бэкенда и </a:t>
+              <a:t>После определения функциональных требований сайта, была начата разработка бэкенда и </a:t>
             </a:r>
             <a:r>
               <a:rPr lang="ru-RU" dirty="0" err="1">

--- a/Курсовая/Презентация.pptx
+++ b/Курсовая/Презентация.pptx
@@ -210,7 +210,7 @@
           <a:p>
             <a:fld id="{2C588EBA-FEBF-4398-934F-4B49489BD5C8}" type="datetimeFigureOut">
               <a:rPr lang="ru-RU" smtClean="0"/>
-              <a:t>19.05.2024</a:t>
+              <a:t>20.05.2024</a:t>
             </a:fld>
             <a:endParaRPr lang="ru-RU"/>
           </a:p>
@@ -728,7 +728,7 @@
           <a:p>
             <a:fld id="{62B58745-26E4-42EB-BA3D-1B2A1263DBA3}" type="datetimeFigureOut">
               <a:rPr lang="ru-RU" smtClean="0"/>
-              <a:t>19.05.2024</a:t>
+              <a:t>20.05.2024</a:t>
             </a:fld>
             <a:endParaRPr lang="ru-RU"/>
           </a:p>
@@ -926,7 +926,7 @@
           <a:p>
             <a:fld id="{62B58745-26E4-42EB-BA3D-1B2A1263DBA3}" type="datetimeFigureOut">
               <a:rPr lang="ru-RU" smtClean="0"/>
-              <a:t>19.05.2024</a:t>
+              <a:t>20.05.2024</a:t>
             </a:fld>
             <a:endParaRPr lang="ru-RU"/>
           </a:p>
@@ -1134,7 +1134,7 @@
           <a:p>
             <a:fld id="{62B58745-26E4-42EB-BA3D-1B2A1263DBA3}" type="datetimeFigureOut">
               <a:rPr lang="ru-RU" smtClean="0"/>
-              <a:t>19.05.2024</a:t>
+              <a:t>20.05.2024</a:t>
             </a:fld>
             <a:endParaRPr lang="ru-RU"/>
           </a:p>
@@ -1332,7 +1332,7 @@
           <a:p>
             <a:fld id="{62B58745-26E4-42EB-BA3D-1B2A1263DBA3}" type="datetimeFigureOut">
               <a:rPr lang="ru-RU" smtClean="0"/>
-              <a:t>19.05.2024</a:t>
+              <a:t>20.05.2024</a:t>
             </a:fld>
             <a:endParaRPr lang="ru-RU"/>
           </a:p>
@@ -1607,7 +1607,7 @@
           <a:p>
             <a:fld id="{62B58745-26E4-42EB-BA3D-1B2A1263DBA3}" type="datetimeFigureOut">
               <a:rPr lang="ru-RU" smtClean="0"/>
-              <a:t>19.05.2024</a:t>
+              <a:t>20.05.2024</a:t>
             </a:fld>
             <a:endParaRPr lang="ru-RU"/>
           </a:p>
@@ -1872,7 +1872,7 @@
           <a:p>
             <a:fld id="{62B58745-26E4-42EB-BA3D-1B2A1263DBA3}" type="datetimeFigureOut">
               <a:rPr lang="ru-RU" smtClean="0"/>
-              <a:t>19.05.2024</a:t>
+              <a:t>20.05.2024</a:t>
             </a:fld>
             <a:endParaRPr lang="ru-RU"/>
           </a:p>
@@ -2284,7 +2284,7 @@
           <a:p>
             <a:fld id="{62B58745-26E4-42EB-BA3D-1B2A1263DBA3}" type="datetimeFigureOut">
               <a:rPr lang="ru-RU" smtClean="0"/>
-              <a:t>19.05.2024</a:t>
+              <a:t>20.05.2024</a:t>
             </a:fld>
             <a:endParaRPr lang="ru-RU"/>
           </a:p>
@@ -2425,7 +2425,7 @@
           <a:p>
             <a:fld id="{62B58745-26E4-42EB-BA3D-1B2A1263DBA3}" type="datetimeFigureOut">
               <a:rPr lang="ru-RU" smtClean="0"/>
-              <a:t>19.05.2024</a:t>
+              <a:t>20.05.2024</a:t>
             </a:fld>
             <a:endParaRPr lang="ru-RU"/>
           </a:p>
@@ -2538,7 +2538,7 @@
           <a:p>
             <a:fld id="{62B58745-26E4-42EB-BA3D-1B2A1263DBA3}" type="datetimeFigureOut">
               <a:rPr lang="ru-RU" smtClean="0"/>
-              <a:t>19.05.2024</a:t>
+              <a:t>20.05.2024</a:t>
             </a:fld>
             <a:endParaRPr lang="ru-RU"/>
           </a:p>
@@ -2849,7 +2849,7 @@
           <a:p>
             <a:fld id="{62B58745-26E4-42EB-BA3D-1B2A1263DBA3}" type="datetimeFigureOut">
               <a:rPr lang="ru-RU" smtClean="0"/>
-              <a:t>19.05.2024</a:t>
+              <a:t>20.05.2024</a:t>
             </a:fld>
             <a:endParaRPr lang="ru-RU"/>
           </a:p>
@@ -3137,7 +3137,7 @@
           <a:p>
             <a:fld id="{62B58745-26E4-42EB-BA3D-1B2A1263DBA3}" type="datetimeFigureOut">
               <a:rPr lang="ru-RU" smtClean="0"/>
-              <a:t>19.05.2024</a:t>
+              <a:t>20.05.2024</a:t>
             </a:fld>
             <a:endParaRPr lang="ru-RU"/>
           </a:p>
@@ -3378,7 +3378,7 @@
           <a:p>
             <a:fld id="{62B58745-26E4-42EB-BA3D-1B2A1263DBA3}" type="datetimeFigureOut">
               <a:rPr lang="ru-RU" smtClean="0"/>
-              <a:t>19.05.2024</a:t>
+              <a:t>20.05.2024</a:t>
             </a:fld>
             <a:endParaRPr lang="ru-RU"/>
           </a:p>
@@ -5124,12 +5124,120 @@
           </a:sp3d>
         </p:spPr>
       </p:pic>
+      <p:sp>
+        <p:nvSpPr>
+          <p:cNvPr id="6" name="Google Shape;168;p24">
+            <a:extLst>
+              <a:ext uri="{FF2B5EF4-FFF2-40B4-BE49-F238E27FC236}">
+                <a16:creationId xmlns:a16="http://schemas.microsoft.com/office/drawing/2014/main" id="{D460DD1A-21D1-4629-99AF-642B7A86B782}"/>
+              </a:ext>
+            </a:extLst>
+          </p:cNvPr>
+          <p:cNvSpPr txBox="1"/>
+          <p:nvPr/>
+        </p:nvSpPr>
+        <p:spPr>
+          <a:xfrm>
+            <a:off x="368939" y="5658001"/>
+            <a:ext cx="3974400" cy="461635"/>
+          </a:xfrm>
+          <a:prstGeom prst="rect">
+            <a:avLst/>
+          </a:prstGeom>
+          <a:noFill/>
+          <a:ln>
+            <a:noFill/>
+          </a:ln>
+        </p:spPr>
+        <p:txBody>
+          <a:bodyPr spcFirstLastPara="1" wrap="square" lIns="91425" tIns="91425" rIns="91425" bIns="91425" anchor="t" anchorCtr="0">
+            <a:spAutoFit/>
+          </a:bodyPr>
+          <a:lstStyle/>
+          <a:p>
+            <a:pPr marL="0" lvl="0" indent="0" algn="l" rtl="0">
+              <a:spcBef>
+                <a:spcPts val="0"/>
+              </a:spcBef>
+              <a:spcAft>
+                <a:spcPts val="0"/>
+              </a:spcAft>
+              <a:buNone/>
+            </a:pPr>
+            <a:r>
+              <a:rPr lang="ru-RU" dirty="0">
+                <a:latin typeface="Arial" panose="020B0604020202020204" pitchFamily="34" charset="0"/>
+                <a:cs typeface="Arial" panose="020B0604020202020204" pitchFamily="34" charset="0"/>
+              </a:rPr>
+              <a:t>Все менторы и поиск</a:t>
+            </a:r>
+            <a:endParaRPr dirty="0">
+              <a:latin typeface="Arial" panose="020B0604020202020204" pitchFamily="34" charset="0"/>
+              <a:cs typeface="Arial" panose="020B0604020202020204" pitchFamily="34" charset="0"/>
+            </a:endParaRPr>
+          </a:p>
+        </p:txBody>
+      </p:sp>
+      <p:sp>
+        <p:nvSpPr>
+          <p:cNvPr id="7" name="Google Shape;168;p24">
+            <a:extLst>
+              <a:ext uri="{FF2B5EF4-FFF2-40B4-BE49-F238E27FC236}">
+                <a16:creationId xmlns:a16="http://schemas.microsoft.com/office/drawing/2014/main" id="{0917B104-3774-4FB9-B6CC-01A3F135D04C}"/>
+              </a:ext>
+            </a:extLst>
+          </p:cNvPr>
+          <p:cNvSpPr txBox="1"/>
+          <p:nvPr/>
+        </p:nvSpPr>
+        <p:spPr>
+          <a:xfrm>
+            <a:off x="6096000" y="5658001"/>
+            <a:ext cx="3974400" cy="461635"/>
+          </a:xfrm>
+          <a:prstGeom prst="rect">
+            <a:avLst/>
+          </a:prstGeom>
+          <a:noFill/>
+          <a:ln>
+            <a:noFill/>
+          </a:ln>
+        </p:spPr>
+        <p:txBody>
+          <a:bodyPr spcFirstLastPara="1" wrap="square" lIns="91425" tIns="91425" rIns="91425" bIns="91425" anchor="t" anchorCtr="0">
+            <a:spAutoFit/>
+          </a:bodyPr>
+          <a:lstStyle/>
+          <a:p>
+            <a:pPr marL="0" lvl="0" indent="0" algn="l" rtl="0">
+              <a:spcBef>
+                <a:spcPts val="0"/>
+              </a:spcBef>
+              <a:spcAft>
+                <a:spcPts val="0"/>
+              </a:spcAft>
+              <a:buNone/>
+            </a:pPr>
+            <a:r>
+              <a:rPr lang="ru-RU" dirty="0">
+                <a:latin typeface="Arial" panose="020B0604020202020204" pitchFamily="34" charset="0"/>
+                <a:cs typeface="Arial" panose="020B0604020202020204" pitchFamily="34" charset="0"/>
+              </a:rPr>
+              <a:t>Анкета ментора</a:t>
+            </a:r>
+            <a:endParaRPr dirty="0">
+              <a:latin typeface="Arial" panose="020B0604020202020204" pitchFamily="34" charset="0"/>
+              <a:cs typeface="Arial" panose="020B0604020202020204" pitchFamily="34" charset="0"/>
+            </a:endParaRPr>
+          </a:p>
+        </p:txBody>
+      </p:sp>
       <p:pic>
         <p:nvPicPr>
-          <p:cNvPr id="5" name="Рисунок 4">
-            <a:extLst>
-              <a:ext uri="{FF2B5EF4-FFF2-40B4-BE49-F238E27FC236}">
-                <a16:creationId xmlns:a16="http://schemas.microsoft.com/office/drawing/2014/main" id="{1A1E630C-2DF8-43FC-80BD-7617D32ED7EE}"/>
+          <p:cNvPr id="8" name="Рисунок 7">
+            <a:extLst>
+              <a:ext uri="{FF2B5EF4-FFF2-40B4-BE49-F238E27FC236}">
+                <a16:creationId xmlns:a16="http://schemas.microsoft.com/office/drawing/2014/main" id="{6667D572-7DC7-4161-B06D-AA91EE421202}"/>
               </a:ext>
             </a:extLst>
           </p:cNvPr>
@@ -5150,8 +5258,8 @@
         </p:blipFill>
         <p:spPr>
           <a:xfrm>
-            <a:off x="6275510" y="1754188"/>
-            <a:ext cx="5367142" cy="3253748"/>
+            <a:off x="6275509" y="1754187"/>
+            <a:ext cx="5399040" cy="3253749"/>
           </a:xfrm>
           <a:prstGeom prst="rect">
             <a:avLst/>
@@ -5187,114 +5295,6 @@
           </a:sp3d>
         </p:spPr>
       </p:pic>
-      <p:sp>
-        <p:nvSpPr>
-          <p:cNvPr id="6" name="Google Shape;168;p24">
-            <a:extLst>
-              <a:ext uri="{FF2B5EF4-FFF2-40B4-BE49-F238E27FC236}">
-                <a16:creationId xmlns:a16="http://schemas.microsoft.com/office/drawing/2014/main" id="{D460DD1A-21D1-4629-99AF-642B7A86B782}"/>
-              </a:ext>
-            </a:extLst>
-          </p:cNvPr>
-          <p:cNvSpPr txBox="1"/>
-          <p:nvPr/>
-        </p:nvSpPr>
-        <p:spPr>
-          <a:xfrm>
-            <a:off x="304800" y="5658001"/>
-            <a:ext cx="3974400" cy="461635"/>
-          </a:xfrm>
-          <a:prstGeom prst="rect">
-            <a:avLst/>
-          </a:prstGeom>
-          <a:noFill/>
-          <a:ln>
-            <a:noFill/>
-          </a:ln>
-        </p:spPr>
-        <p:txBody>
-          <a:bodyPr spcFirstLastPara="1" wrap="square" lIns="91425" tIns="91425" rIns="91425" bIns="91425" anchor="t" anchorCtr="0">
-            <a:spAutoFit/>
-          </a:bodyPr>
-          <a:lstStyle/>
-          <a:p>
-            <a:pPr marL="0" lvl="0" indent="0" algn="l" rtl="0">
-              <a:spcBef>
-                <a:spcPts val="0"/>
-              </a:spcBef>
-              <a:spcAft>
-                <a:spcPts val="0"/>
-              </a:spcAft>
-              <a:buNone/>
-            </a:pPr>
-            <a:r>
-              <a:rPr lang="ru-RU" dirty="0">
-                <a:latin typeface="Arial" panose="020B0604020202020204" pitchFamily="34" charset="0"/>
-                <a:cs typeface="Arial" panose="020B0604020202020204" pitchFamily="34" charset="0"/>
-              </a:rPr>
-              <a:t>Все менторы и поиск</a:t>
-            </a:r>
-            <a:endParaRPr dirty="0">
-              <a:latin typeface="Arial" panose="020B0604020202020204" pitchFamily="34" charset="0"/>
-              <a:cs typeface="Arial" panose="020B0604020202020204" pitchFamily="34" charset="0"/>
-            </a:endParaRPr>
-          </a:p>
-        </p:txBody>
-      </p:sp>
-      <p:sp>
-        <p:nvSpPr>
-          <p:cNvPr id="7" name="Google Shape;168;p24">
-            <a:extLst>
-              <a:ext uri="{FF2B5EF4-FFF2-40B4-BE49-F238E27FC236}">
-                <a16:creationId xmlns:a16="http://schemas.microsoft.com/office/drawing/2014/main" id="{0917B104-3774-4FB9-B6CC-01A3F135D04C}"/>
-              </a:ext>
-            </a:extLst>
-          </p:cNvPr>
-          <p:cNvSpPr txBox="1"/>
-          <p:nvPr/>
-        </p:nvSpPr>
-        <p:spPr>
-          <a:xfrm>
-            <a:off x="6096000" y="5658001"/>
-            <a:ext cx="3974400" cy="461635"/>
-          </a:xfrm>
-          <a:prstGeom prst="rect">
-            <a:avLst/>
-          </a:prstGeom>
-          <a:noFill/>
-          <a:ln>
-            <a:noFill/>
-          </a:ln>
-        </p:spPr>
-        <p:txBody>
-          <a:bodyPr spcFirstLastPara="1" wrap="square" lIns="91425" tIns="91425" rIns="91425" bIns="91425" anchor="t" anchorCtr="0">
-            <a:spAutoFit/>
-          </a:bodyPr>
-          <a:lstStyle/>
-          <a:p>
-            <a:pPr marL="0" lvl="0" indent="0" algn="l" rtl="0">
-              <a:spcBef>
-                <a:spcPts val="0"/>
-              </a:spcBef>
-              <a:spcAft>
-                <a:spcPts val="0"/>
-              </a:spcAft>
-              <a:buNone/>
-            </a:pPr>
-            <a:r>
-              <a:rPr lang="ru-RU" dirty="0">
-                <a:latin typeface="Arial" panose="020B0604020202020204" pitchFamily="34" charset="0"/>
-                <a:cs typeface="Arial" panose="020B0604020202020204" pitchFamily="34" charset="0"/>
-              </a:rPr>
-              <a:t>Анкета ментора</a:t>
-            </a:r>
-            <a:endParaRPr dirty="0">
-              <a:latin typeface="Arial" panose="020B0604020202020204" pitchFamily="34" charset="0"/>
-              <a:cs typeface="Arial" panose="020B0604020202020204" pitchFamily="34" charset="0"/>
-            </a:endParaRPr>
-          </a:p>
-        </p:txBody>
-      </p:sp>
     </p:spTree>
     <p:extLst>
       <p:ext uri="{BB962C8B-B14F-4D97-AF65-F5344CB8AC3E}">
